--- a/Piezoelectric Technology PPT.pptx
+++ b/Piezoelectric Technology PPT.pptx
@@ -122,15 +122,12 @@
       </a:defRPr>
     </a:lvl9pPr>
   </p:defaultTextStyle>
+  <p:extLst>
+    <p:ext uri="{EFAFB233-063F-42B5-8137-9DF3F51BA10A}">
+      <p15:sldGuideLst xmlns:p15="http://schemas.microsoft.com/office/powerpoint/2012/main"/>
+    </p:ext>
+  </p:extLst>
 </p:presentation>
-</file>
-
-<file path=ppt/revisionInfo.xml><?xml version="1.0" encoding="utf-8"?>
-<p1510:revInfo xmlns:a="http://schemas.openxmlformats.org/drawingml/2006/main" xmlns:r="http://schemas.openxmlformats.org/officeDocument/2006/relationships" xmlns:p1510="http://schemas.microsoft.com/office/powerpoint/2015/10/main">
-  <p1510:revLst>
-    <p1510:client id="{6268D711-7773-41B4-8B32-0F21B50A60B8}" v="345" dt="2025-02-12T16:50:03.144"/>
-  </p1510:revLst>
-</p1510:revInfo>
 </file>
 
 <file path=ppt/diagrams/colors1.xml><?xml version="1.0" encoding="utf-8"?>
@@ -7901,7 +7898,7 @@
         </p:spPr>
         <p:txBody>
           <a:bodyPr lIns="91440" tIns="91440" rIns="91440" bIns="91440" anchor="t">
-            <a:normAutofit fontScale="96933"/>
+            <a:normAutofit fontScale="89433"/>
           </a:bodyPr>
           <a:lstStyle/>
           <a:p>
@@ -7947,7 +7944,7 @@
                 <a:ea typeface="Lato" panose="020F0502020204030203" pitchFamily="34" charset="0"/>
                 <a:cs typeface="Lato" panose="020F0502020204030203" pitchFamily="34" charset="0"/>
               </a:rPr>
-              <a:t>Presentation link : </a:t>
+              <a:t>Presentation link : https://github.com/Vamc-24/Piezoelectric-Technology</a:t>
             </a:r>
           </a:p>
         </p:txBody>

--- a/Piezoelectric Technology PPT.pptx
+++ b/Piezoelectric Technology PPT.pptx
@@ -8210,13 +8210,22 @@
               </a:tabLst>
             </a:pPr>
             <a:r>
-              <a:rPr lang="fr-FR" sz="4500" b="0" strike="noStrike" spc="-1" dirty="0">
+              <a:rPr lang="fr-FR" sz="4500" b="0" strike="noStrike" spc="-1" dirty="0" err="1">
                 <a:solidFill>
                   <a:schemeClr val="dk1"/>
                 </a:solidFill>
                 <a:latin typeface="Arial"/>
               </a:rPr>
-              <a:t>Empathise :</a:t>
+              <a:t>Empathize</a:t>
+            </a:r>
+            <a:r>
+              <a:rPr lang="fr-FR" sz="4500" b="0" strike="noStrike" spc="-1" dirty="0">
+                <a:solidFill>
+                  <a:schemeClr val="dk1"/>
+                </a:solidFill>
+                <a:latin typeface="Arial"/>
+              </a:rPr>
+              <a:t> :</a:t>
             </a:r>
           </a:p>
         </p:txBody>

--- a/Piezoelectric Technology PPT.pptx
+++ b/Piezoelectric Technology PPT.pptx
@@ -128,6 +128,14 @@
     </p:ext>
   </p:extLst>
 </p:presentation>
+</file>
+
+<file path=ppt/revisionInfo.xml><?xml version="1.0" encoding="utf-8"?>
+<p1510:revInfo xmlns:a="http://schemas.openxmlformats.org/drawingml/2006/main" xmlns:r="http://schemas.openxmlformats.org/officeDocument/2006/relationships" xmlns:p1510="http://schemas.microsoft.com/office/powerpoint/2015/10/main">
+  <p1510:revLst>
+    <p1510:client id="{82F4B151-CD5B-4A34-9685-38F85E2F54CD}" v="4" dt="2025-03-08T10:25:10.986"/>
+  </p1510:revLst>
+</p1510:revInfo>
 </file>
 
 <file path=ppt/diagrams/colors1.xml><?xml version="1.0" encoding="utf-8"?>
@@ -3265,7 +3273,7 @@
           <a:p>
             <a:fld id="{F116BA33-C1FE-4B79-ABCB-DF4F47E72310}" type="datetimeFigureOut">
               <a:rPr lang="en-IN" smtClean="0"/>
-              <a:t>12-02-2025</a:t>
+              <a:t>08-03-2025</a:t>
             </a:fld>
             <a:endParaRPr lang="en-IN" dirty="0"/>
           </a:p>
@@ -5961,6 +5969,18 @@
   <p:clrMapOvr>
     <a:masterClrMapping/>
   </p:clrMapOvr>
+  <mc:AlternateContent xmlns:mc="http://schemas.openxmlformats.org/markup-compatibility/2006" xmlns:p159="http://schemas.microsoft.com/office/powerpoint/2015/09/main">
+    <mc:Choice Requires="p159">
+      <p:transition xmlns:p14="http://schemas.microsoft.com/office/powerpoint/2010/main" spd="slow" p14:dur="2000">
+        <p159:morph option="byObject"/>
+      </p:transition>
+    </mc:Choice>
+    <mc:Fallback xmlns="">
+      <p:transition spd="slow">
+        <p:fade/>
+      </p:transition>
+    </mc:Fallback>
+  </mc:AlternateContent>
 </p:sld>
 </file>
 
@@ -6455,6 +6475,18 @@
   <p:clrMapOvr>
     <a:masterClrMapping/>
   </p:clrMapOvr>
+  <mc:AlternateContent xmlns:mc="http://schemas.openxmlformats.org/markup-compatibility/2006" xmlns:p14="http://schemas.microsoft.com/office/powerpoint/2010/main">
+    <mc:Choice Requires="p14">
+      <p:transition spd="slow" p14:dur="1300">
+        <p14:pan dir="u"/>
+      </p:transition>
+    </mc:Choice>
+    <mc:Fallback xmlns="">
+      <p:transition spd="slow">
+        <p:fade/>
+      </p:transition>
+    </mc:Fallback>
+  </mc:AlternateContent>
 </p:sld>
 </file>
 
@@ -6980,6 +7012,18 @@
   <p:clrMapOvr>
     <a:masterClrMapping/>
   </p:clrMapOvr>
+  <mc:AlternateContent xmlns:mc="http://schemas.openxmlformats.org/markup-compatibility/2006" xmlns:p14="http://schemas.microsoft.com/office/powerpoint/2010/main">
+    <mc:Choice Requires="p14">
+      <p:transition spd="slow" p14:dur="1300">
+        <p14:pan dir="u"/>
+      </p:transition>
+    </mc:Choice>
+    <mc:Fallback xmlns="">
+      <p:transition spd="slow">
+        <p:fade/>
+      </p:transition>
+    </mc:Fallback>
+  </mc:AlternateContent>
 </p:sld>
 </file>
 
@@ -7240,6 +7284,18 @@
   <p:clrMapOvr>
     <a:masterClrMapping/>
   </p:clrMapOvr>
+  <mc:AlternateContent xmlns:mc="http://schemas.openxmlformats.org/markup-compatibility/2006" xmlns:p14="http://schemas.microsoft.com/office/powerpoint/2010/main">
+    <mc:Choice Requires="p14">
+      <p:transition spd="slow" p14:dur="1300">
+        <p14:pan dir="u"/>
+      </p:transition>
+    </mc:Choice>
+    <mc:Fallback xmlns="">
+      <p:transition spd="slow">
+        <p:fade/>
+      </p:transition>
+    </mc:Fallback>
+  </mc:AlternateContent>
 </p:sld>
 </file>
 
@@ -7779,6 +7835,18 @@
   <p:clrMapOvr>
     <a:masterClrMapping/>
   </p:clrMapOvr>
+  <mc:AlternateContent xmlns:mc="http://schemas.openxmlformats.org/markup-compatibility/2006" xmlns:p14="http://schemas.microsoft.com/office/powerpoint/2010/main">
+    <mc:Choice Requires="p14">
+      <p:transition spd="slow" p14:dur="3400">
+        <p14:reveal/>
+      </p:transition>
+    </mc:Choice>
+    <mc:Fallback xmlns="">
+      <p:transition spd="slow">
+        <p:fade/>
+      </p:transition>
+    </mc:Fallback>
+  </mc:AlternateContent>
 </p:sld>
 </file>
 
@@ -7959,6 +8027,18 @@
   <p:clrMapOvr>
     <a:masterClrMapping/>
   </p:clrMapOvr>
+  <mc:AlternateContent xmlns:mc="http://schemas.openxmlformats.org/markup-compatibility/2006" xmlns:p14="http://schemas.microsoft.com/office/powerpoint/2010/main">
+    <mc:Choice Requires="p14">
+      <p:transition spd="slow" p14:dur="3400">
+        <p14:reveal/>
+      </p:transition>
+    </mc:Choice>
+    <mc:Fallback xmlns="">
+      <p:transition spd="slow">
+        <p:fade/>
+      </p:transition>
+    </mc:Fallback>
+  </mc:AlternateContent>
 </p:sld>
 </file>
 
@@ -8151,6 +8231,18 @@
   <p:clrMapOvr>
     <a:masterClrMapping/>
   </p:clrMapOvr>
+  <mc:AlternateContent xmlns:mc="http://schemas.openxmlformats.org/markup-compatibility/2006" xmlns:p14="http://schemas.microsoft.com/office/powerpoint/2010/main">
+    <mc:Choice Requires="p14">
+      <p:transition spd="slow" p14:dur="3400">
+        <p14:reveal/>
+      </p:transition>
+    </mc:Choice>
+    <mc:Fallback xmlns="">
+      <p:transition spd="slow">
+        <p:fade/>
+      </p:transition>
+    </mc:Fallback>
+  </mc:AlternateContent>
 </p:sld>
 </file>
 
@@ -8541,6 +8633,18 @@
   <p:clrMapOvr>
     <a:masterClrMapping/>
   </p:clrMapOvr>
+  <mc:AlternateContent xmlns:mc="http://schemas.openxmlformats.org/markup-compatibility/2006" xmlns:p14="http://schemas.microsoft.com/office/powerpoint/2010/main">
+    <mc:Choice Requires="p14">
+      <p:transition spd="slow" p14:dur="1300">
+        <p14:pan dir="u"/>
+      </p:transition>
+    </mc:Choice>
+    <mc:Fallback xmlns="">
+      <p:transition spd="slow">
+        <p:fade/>
+      </p:transition>
+    </mc:Fallback>
+  </mc:AlternateContent>
 </p:sld>
 </file>
 
@@ -8711,6 +8815,18 @@
   <p:clrMapOvr>
     <a:masterClrMapping/>
   </p:clrMapOvr>
+  <mc:AlternateContent xmlns:mc="http://schemas.openxmlformats.org/markup-compatibility/2006" xmlns:p14="http://schemas.microsoft.com/office/powerpoint/2010/main">
+    <mc:Choice Requires="p14">
+      <p:transition spd="slow" p14:dur="1300">
+        <p14:pan dir="u"/>
+      </p:transition>
+    </mc:Choice>
+    <mc:Fallback xmlns="">
+      <p:transition spd="slow">
+        <p:fade/>
+      </p:transition>
+    </mc:Fallback>
+  </mc:AlternateContent>
 </p:sld>
 </file>
 
@@ -8921,6 +9037,18 @@
   <p:clrMapOvr>
     <a:masterClrMapping/>
   </p:clrMapOvr>
+  <mc:AlternateContent xmlns:mc="http://schemas.openxmlformats.org/markup-compatibility/2006" xmlns:p14="http://schemas.microsoft.com/office/powerpoint/2010/main">
+    <mc:Choice Requires="p14">
+      <p:transition spd="slow" p14:dur="3400">
+        <p14:reveal/>
+      </p:transition>
+    </mc:Choice>
+    <mc:Fallback xmlns="">
+      <p:transition spd="slow">
+        <p:fade/>
+      </p:transition>
+    </mc:Fallback>
+  </mc:AlternateContent>
 </p:sld>
 </file>
 
@@ -9335,6 +9463,18 @@
   <p:clrMapOvr>
     <a:masterClrMapping/>
   </p:clrMapOvr>
+  <mc:AlternateContent xmlns:mc="http://schemas.openxmlformats.org/markup-compatibility/2006" xmlns:p14="http://schemas.microsoft.com/office/powerpoint/2010/main">
+    <mc:Choice Requires="p14">
+      <p:transition spd="slow" p14:dur="3400">
+        <p14:reveal/>
+      </p:transition>
+    </mc:Choice>
+    <mc:Fallback xmlns="">
+      <p:transition spd="slow">
+        <p:fade/>
+      </p:transition>
+    </mc:Fallback>
+  </mc:AlternateContent>
 </p:sld>
 </file>
 
@@ -9527,6 +9667,18 @@
   <p:clrMapOvr>
     <a:masterClrMapping/>
   </p:clrMapOvr>
+  <mc:AlternateContent xmlns:mc="http://schemas.openxmlformats.org/markup-compatibility/2006" xmlns:p14="http://schemas.microsoft.com/office/powerpoint/2010/main">
+    <mc:Choice Requires="p14">
+      <p:transition spd="slow" p14:dur="3400">
+        <p14:reveal/>
+      </p:transition>
+    </mc:Choice>
+    <mc:Fallback xmlns="">
+      <p:transition spd="slow">
+        <p:fade/>
+      </p:transition>
+    </mc:Fallback>
+  </mc:AlternateContent>
 </p:sld>
 </file>
 
@@ -9953,6 +10105,18 @@
   <p:clrMapOvr>
     <a:masterClrMapping/>
   </p:clrMapOvr>
+  <mc:AlternateContent xmlns:mc="http://schemas.openxmlformats.org/markup-compatibility/2006" xmlns:p14="http://schemas.microsoft.com/office/powerpoint/2010/main">
+    <mc:Choice Requires="p14">
+      <p:transition spd="slow" p14:dur="3400">
+        <p14:reveal/>
+      </p:transition>
+    </mc:Choice>
+    <mc:Fallback xmlns="">
+      <p:transition spd="slow">
+        <p:fade/>
+      </p:transition>
+    </mc:Fallback>
+  </mc:AlternateContent>
 </p:sld>
 </file>
 
@@ -10062,6 +10226,18 @@
   <p:clrMapOvr>
     <a:masterClrMapping/>
   </p:clrMapOvr>
+  <mc:AlternateContent xmlns:mc="http://schemas.openxmlformats.org/markup-compatibility/2006" xmlns:p14="http://schemas.microsoft.com/office/powerpoint/2010/main">
+    <mc:Choice Requires="p14">
+      <p:transition spd="slow" p14:dur="3400">
+        <p14:reveal/>
+      </p:transition>
+    </mc:Choice>
+    <mc:Fallback xmlns="">
+      <p:transition spd="slow">
+        <p:fade/>
+      </p:transition>
+    </mc:Fallback>
+  </mc:AlternateContent>
 </p:sld>
 </file>
 
